--- a/Textbooks/Gang-yu Liu.pptx
+++ b/Textbooks/Gang-yu Liu.pptx
@@ -518,7 +518,11 @@
             </a:r>
             <a:br/>
             <a:r>
-              <a:t>Knight, 2nd edition, Chapter 28, section 8  </a:t>
+              <a:t>Knight, College Physics: A Strategic Approach, 2nd Edition, Chapter 28, section 8</a:t>
+            </a:r>
+            <a:br/>
+            <a:r>
+              <a:t>Knight, Physics for Scientists and Engineers: A Strategic Approach with Modern Physics, 3rd Edition, Chapter 5 </a:t>
             </a:r>
             <a:br/>
             <a:r>
